--- a/Erastus Adefisoye`s Work (Scratch).pptx
+++ b/Erastus Adefisoye`s Work (Scratch).pptx
@@ -7,6 +7,7 @@
   <p:sldIdLst>
     <p:sldId id="256" r:id="rId2"/>
     <p:sldId id="257" r:id="rId3"/>
+    <p:sldId id="258" r:id="rId4"/>
   </p:sldIdLst>
   <p:sldSz cx="12192000" cy="6858000"/>
   <p:notesSz cx="6858000" cy="9144000"/>
@@ -4249,6 +4250,153 @@
 </p:sld>
 </file>
 
+<file path=ppt/slides/slide3.xml><?xml version="1.0" encoding="utf-8"?>
+<p:sld xmlns:a="http://schemas.openxmlformats.org/drawingml/2006/main" xmlns:r="http://schemas.openxmlformats.org/officeDocument/2006/relationships" xmlns:p="http://schemas.openxmlformats.org/presentationml/2006/main">
+  <p:cSld>
+    <p:spTree>
+      <p:nvGrpSpPr>
+        <p:cNvPr id="1" name=""/>
+        <p:cNvGrpSpPr/>
+        <p:nvPr/>
+      </p:nvGrpSpPr>
+      <p:grpSpPr>
+        <a:xfrm>
+          <a:off x="0" y="0"/>
+          <a:ext cx="0" cy="0"/>
+          <a:chOff x="0" y="0"/>
+          <a:chExt cx="0" cy="0"/>
+        </a:xfrm>
+      </p:grpSpPr>
+      <p:sp>
+        <p:nvSpPr>
+          <p:cNvPr id="2" name="Title 1"/>
+          <p:cNvSpPr>
+            <a:spLocks noGrp="1"/>
+          </p:cNvSpPr>
+          <p:nvPr>
+            <p:ph type="title"/>
+          </p:nvPr>
+        </p:nvSpPr>
+        <p:spPr>
+          <a:xfrm>
+            <a:off x="13352441" y="365125"/>
+            <a:ext cx="484744" cy="1325563"/>
+          </a:xfrm>
+        </p:spPr>
+        <p:txBody>
+          <a:bodyPr/>
+          <a:lstStyle/>
+          <a:p>
+            <a:endParaRPr lang="en-GB" dirty="0"/>
+          </a:p>
+        </p:txBody>
+      </p:sp>
+      <p:sp>
+        <p:nvSpPr>
+          <p:cNvPr id="3" name="Content Placeholder 2"/>
+          <p:cNvSpPr>
+            <a:spLocks noGrp="1"/>
+          </p:cNvSpPr>
+          <p:nvPr>
+            <p:ph idx="1"/>
+          </p:nvPr>
+        </p:nvSpPr>
+        <p:spPr>
+          <a:xfrm>
+            <a:off x="0" y="0"/>
+            <a:ext cx="12440356" cy="7044267"/>
+          </a:xfrm>
+          <a:solidFill>
+            <a:srgbClr val="FF0000"/>
+          </a:solidFill>
+        </p:spPr>
+        <p:txBody>
+          <a:bodyPr/>
+          <a:lstStyle/>
+          <a:p>
+            <a:pPr marL="3657600" lvl="8" indent="0">
+              <a:buNone/>
+            </a:pPr>
+            <a:endParaRPr lang="en-GB" dirty="0"/>
+          </a:p>
+        </p:txBody>
+      </p:sp>
+      <p:sp>
+        <p:nvSpPr>
+          <p:cNvPr id="4" name="TextBox 3"/>
+          <p:cNvSpPr txBox="1"/>
+          <p:nvPr/>
+        </p:nvSpPr>
+        <p:spPr>
+          <a:xfrm>
+            <a:off x="1" y="0"/>
+            <a:ext cx="12192000" cy="7478970"/>
+          </a:xfrm>
+          <a:prstGeom prst="rect">
+            <a:avLst/>
+          </a:prstGeom>
+          <a:noFill/>
+        </p:spPr>
+        <p:txBody>
+          <a:bodyPr wrap="square" rtlCol="0">
+            <a:spAutoFit/>
+          </a:bodyPr>
+          <a:lstStyle/>
+          <a:p>
+            <a:r>
+              <a:rPr lang="en-GB" sz="9600" dirty="0" smtClean="0"/>
+              <a:t>?????????????????????????????????????????????????????????????????????????????????????????????????????????</a:t>
+            </a:r>
+            <a:endParaRPr lang="en-GB" sz="9600" dirty="0"/>
+          </a:p>
+        </p:txBody>
+      </p:sp>
+      <p:sp>
+        <p:nvSpPr>
+          <p:cNvPr id="8" name="TextBox 7"/>
+          <p:cNvSpPr txBox="1"/>
+          <p:nvPr/>
+        </p:nvSpPr>
+        <p:spPr>
+          <a:xfrm>
+            <a:off x="3702756" y="1546579"/>
+            <a:ext cx="4109155" cy="2123658"/>
+          </a:xfrm>
+          <a:prstGeom prst="rect">
+            <a:avLst/>
+          </a:prstGeom>
+          <a:noFill/>
+        </p:spPr>
+        <p:txBody>
+          <a:bodyPr wrap="square" rtlCol="0">
+            <a:spAutoFit/>
+          </a:bodyPr>
+          <a:lstStyle/>
+          <a:p>
+            <a:pPr algn="ctr"/>
+            <a:r>
+              <a:rPr lang="en-US" sz="4400" dirty="0">
+                <a:hlinkClick r:id="rId2"/>
+              </a:rPr>
+              <a:t>Hyperdogde21's Guessing Game on Scratch</a:t>
+            </a:r>
+            <a:endParaRPr lang="en-GB" sz="4400" dirty="0"/>
+          </a:p>
+        </p:txBody>
+      </p:sp>
+    </p:spTree>
+    <p:extLst>
+      <p:ext uri="{BB962C8B-B14F-4D97-AF65-F5344CB8AC3E}">
+        <p14:creationId xmlns:p14="http://schemas.microsoft.com/office/powerpoint/2010/main" val="741109637"/>
+      </p:ext>
+    </p:extLst>
+  </p:cSld>
+  <p:clrMapOvr>
+    <a:masterClrMapping/>
+  </p:clrMapOvr>
+</p:sld>
+</file>
+
 <file path=ppt/theme/theme1.xml><?xml version="1.0" encoding="utf-8"?>
 <a:theme xmlns:a="http://schemas.openxmlformats.org/drawingml/2006/main" name="Office Theme">
   <a:themeElements>

--- a/Erastus Adefisoye`s Work (Scratch).pptx
+++ b/Erastus Adefisoye`s Work (Scratch).pptx
@@ -8,6 +8,7 @@
     <p:sldId id="256" r:id="rId2"/>
     <p:sldId id="257" r:id="rId3"/>
     <p:sldId id="258" r:id="rId4"/>
+    <p:sldId id="259" r:id="rId5"/>
   </p:sldIdLst>
   <p:sldSz cx="12192000" cy="6858000"/>
   <p:notesSz cx="6858000" cy="9144000"/>
@@ -245,7 +246,7 @@
           <a:p>
             <a:fld id="{FA18D26B-B619-4CC8-8F46-A6CD113BB535}" type="datetimeFigureOut">
               <a:rPr lang="en-GB" smtClean="0"/>
-              <a:t>05/08/2025</a:t>
+              <a:t>18/08/2025</a:t>
             </a:fld>
             <a:endParaRPr lang="en-GB"/>
           </a:p>
@@ -415,7 +416,7 @@
           <a:p>
             <a:fld id="{FA18D26B-B619-4CC8-8F46-A6CD113BB535}" type="datetimeFigureOut">
               <a:rPr lang="en-GB" smtClean="0"/>
-              <a:t>05/08/2025</a:t>
+              <a:t>18/08/2025</a:t>
             </a:fld>
             <a:endParaRPr lang="en-GB"/>
           </a:p>
@@ -595,7 +596,7 @@
           <a:p>
             <a:fld id="{FA18D26B-B619-4CC8-8F46-A6CD113BB535}" type="datetimeFigureOut">
               <a:rPr lang="en-GB" smtClean="0"/>
-              <a:t>05/08/2025</a:t>
+              <a:t>18/08/2025</a:t>
             </a:fld>
             <a:endParaRPr lang="en-GB"/>
           </a:p>
@@ -765,7 +766,7 @@
           <a:p>
             <a:fld id="{FA18D26B-B619-4CC8-8F46-A6CD113BB535}" type="datetimeFigureOut">
               <a:rPr lang="en-GB" smtClean="0"/>
-              <a:t>05/08/2025</a:t>
+              <a:t>18/08/2025</a:t>
             </a:fld>
             <a:endParaRPr lang="en-GB"/>
           </a:p>
@@ -1011,7 +1012,7 @@
           <a:p>
             <a:fld id="{FA18D26B-B619-4CC8-8F46-A6CD113BB535}" type="datetimeFigureOut">
               <a:rPr lang="en-GB" smtClean="0"/>
-              <a:t>05/08/2025</a:t>
+              <a:t>18/08/2025</a:t>
             </a:fld>
             <a:endParaRPr lang="en-GB"/>
           </a:p>
@@ -1243,7 +1244,7 @@
           <a:p>
             <a:fld id="{FA18D26B-B619-4CC8-8F46-A6CD113BB535}" type="datetimeFigureOut">
               <a:rPr lang="en-GB" smtClean="0"/>
-              <a:t>05/08/2025</a:t>
+              <a:t>18/08/2025</a:t>
             </a:fld>
             <a:endParaRPr lang="en-GB"/>
           </a:p>
@@ -1610,7 +1611,7 @@
           <a:p>
             <a:fld id="{FA18D26B-B619-4CC8-8F46-A6CD113BB535}" type="datetimeFigureOut">
               <a:rPr lang="en-GB" smtClean="0"/>
-              <a:t>05/08/2025</a:t>
+              <a:t>18/08/2025</a:t>
             </a:fld>
             <a:endParaRPr lang="en-GB"/>
           </a:p>
@@ -1728,7 +1729,7 @@
           <a:p>
             <a:fld id="{FA18D26B-B619-4CC8-8F46-A6CD113BB535}" type="datetimeFigureOut">
               <a:rPr lang="en-GB" smtClean="0"/>
-              <a:t>05/08/2025</a:t>
+              <a:t>18/08/2025</a:t>
             </a:fld>
             <a:endParaRPr lang="en-GB"/>
           </a:p>
@@ -1823,7 +1824,7 @@
           <a:p>
             <a:fld id="{FA18D26B-B619-4CC8-8F46-A6CD113BB535}" type="datetimeFigureOut">
               <a:rPr lang="en-GB" smtClean="0"/>
-              <a:t>05/08/2025</a:t>
+              <a:t>18/08/2025</a:t>
             </a:fld>
             <a:endParaRPr lang="en-GB"/>
           </a:p>
@@ -2100,7 +2101,7 @@
           <a:p>
             <a:fld id="{FA18D26B-B619-4CC8-8F46-A6CD113BB535}" type="datetimeFigureOut">
               <a:rPr lang="en-GB" smtClean="0"/>
-              <a:t>05/08/2025</a:t>
+              <a:t>18/08/2025</a:t>
             </a:fld>
             <a:endParaRPr lang="en-GB"/>
           </a:p>
@@ -2353,7 +2354,7 @@
           <a:p>
             <a:fld id="{FA18D26B-B619-4CC8-8F46-A6CD113BB535}" type="datetimeFigureOut">
               <a:rPr lang="en-GB" smtClean="0"/>
-              <a:t>05/08/2025</a:t>
+              <a:t>18/08/2025</a:t>
             </a:fld>
             <a:endParaRPr lang="en-GB"/>
           </a:p>
@@ -2566,7 +2567,7 @@
           <a:p>
             <a:fld id="{FA18D26B-B619-4CC8-8F46-A6CD113BB535}" type="datetimeFigureOut">
               <a:rPr lang="en-GB" smtClean="0"/>
-              <a:t>05/08/2025</a:t>
+              <a:t>18/08/2025</a:t>
             </a:fld>
             <a:endParaRPr lang="en-GB"/>
           </a:p>
@@ -4247,6 +4248,406 @@
   <p:clrMapOvr>
     <a:masterClrMapping/>
   </p:clrMapOvr>
+  <p:timing>
+    <p:tnLst>
+      <p:par>
+        <p:cTn id="1" dur="indefinite" restart="never" nodeType="tmRoot">
+          <p:childTnLst>
+            <p:seq concurrent="1" nextAc="seek">
+              <p:cTn id="2" dur="indefinite" nodeType="mainSeq">
+                <p:childTnLst>
+                  <p:par>
+                    <p:cTn id="3" fill="hold">
+                      <p:stCondLst>
+                        <p:cond delay="indefinite"/>
+                      </p:stCondLst>
+                      <p:childTnLst>
+                        <p:par>
+                          <p:cTn id="4" fill="hold">
+                            <p:stCondLst>
+                              <p:cond delay="0"/>
+                            </p:stCondLst>
+                            <p:childTnLst>
+                              <p:par>
+                                <p:cTn id="5" presetID="1" presetClass="entr" presetSubtype="0" fill="hold" grpId="0" nodeType="clickEffect">
+                                  <p:stCondLst>
+                                    <p:cond delay="0"/>
+                                  </p:stCondLst>
+                                  <p:childTnLst>
+                                    <p:set>
+                                      <p:cBhvr>
+                                        <p:cTn id="6" dur="1" fill="hold">
+                                          <p:stCondLst>
+                                            <p:cond delay="0"/>
+                                          </p:stCondLst>
+                                        </p:cTn>
+                                        <p:tgtEl>
+                                          <p:spTgt spid="38"/>
+                                        </p:tgtEl>
+                                        <p:attrNameLst>
+                                          <p:attrName>style.visibility</p:attrName>
+                                        </p:attrNameLst>
+                                      </p:cBhvr>
+                                      <p:to>
+                                        <p:strVal val="visible"/>
+                                      </p:to>
+                                    </p:set>
+                                  </p:childTnLst>
+                                </p:cTn>
+                              </p:par>
+                            </p:childTnLst>
+                          </p:cTn>
+                        </p:par>
+                      </p:childTnLst>
+                    </p:cTn>
+                  </p:par>
+                  <p:par>
+                    <p:cTn id="7" fill="hold">
+                      <p:stCondLst>
+                        <p:cond delay="indefinite"/>
+                      </p:stCondLst>
+                      <p:childTnLst>
+                        <p:par>
+                          <p:cTn id="8" fill="hold">
+                            <p:stCondLst>
+                              <p:cond delay="0"/>
+                            </p:stCondLst>
+                            <p:childTnLst>
+                              <p:par>
+                                <p:cTn id="9" presetID="1" presetClass="entr" presetSubtype="0" fill="hold" grpId="0" nodeType="clickEffect">
+                                  <p:stCondLst>
+                                    <p:cond delay="0"/>
+                                  </p:stCondLst>
+                                  <p:childTnLst>
+                                    <p:set>
+                                      <p:cBhvr>
+                                        <p:cTn id="10" dur="1" fill="hold">
+                                          <p:stCondLst>
+                                            <p:cond delay="0"/>
+                                          </p:stCondLst>
+                                        </p:cTn>
+                                        <p:tgtEl>
+                                          <p:spTgt spid="27"/>
+                                        </p:tgtEl>
+                                        <p:attrNameLst>
+                                          <p:attrName>style.visibility</p:attrName>
+                                        </p:attrNameLst>
+                                      </p:cBhvr>
+                                      <p:to>
+                                        <p:strVal val="visible"/>
+                                      </p:to>
+                                    </p:set>
+                                  </p:childTnLst>
+                                </p:cTn>
+                              </p:par>
+                            </p:childTnLst>
+                          </p:cTn>
+                        </p:par>
+                      </p:childTnLst>
+                    </p:cTn>
+                  </p:par>
+                  <p:par>
+                    <p:cTn id="11" fill="hold">
+                      <p:stCondLst>
+                        <p:cond delay="indefinite"/>
+                      </p:stCondLst>
+                      <p:childTnLst>
+                        <p:par>
+                          <p:cTn id="12" fill="hold">
+                            <p:stCondLst>
+                              <p:cond delay="0"/>
+                            </p:stCondLst>
+                            <p:childTnLst>
+                              <p:par>
+                                <p:cTn id="13" presetID="2" presetClass="entr" presetSubtype="4" fill="hold" grpId="0" nodeType="clickEffect">
+                                  <p:stCondLst>
+                                    <p:cond delay="0"/>
+                                  </p:stCondLst>
+                                  <p:childTnLst>
+                                    <p:set>
+                                      <p:cBhvr>
+                                        <p:cTn id="14" dur="1" fill="hold">
+                                          <p:stCondLst>
+                                            <p:cond delay="0"/>
+                                          </p:stCondLst>
+                                        </p:cTn>
+                                        <p:tgtEl>
+                                          <p:spTgt spid="53"/>
+                                        </p:tgtEl>
+                                        <p:attrNameLst>
+                                          <p:attrName>style.visibility</p:attrName>
+                                        </p:attrNameLst>
+                                      </p:cBhvr>
+                                      <p:to>
+                                        <p:strVal val="visible"/>
+                                      </p:to>
+                                    </p:set>
+                                    <p:anim calcmode="lin" valueType="num">
+                                      <p:cBhvr additive="base">
+                                        <p:cTn id="15" dur="500" fill="hold"/>
+                                        <p:tgtEl>
+                                          <p:spTgt spid="53"/>
+                                        </p:tgtEl>
+                                        <p:attrNameLst>
+                                          <p:attrName>ppt_x</p:attrName>
+                                        </p:attrNameLst>
+                                      </p:cBhvr>
+                                      <p:tavLst>
+                                        <p:tav tm="0">
+                                          <p:val>
+                                            <p:strVal val="#ppt_x"/>
+                                          </p:val>
+                                        </p:tav>
+                                        <p:tav tm="100000">
+                                          <p:val>
+                                            <p:strVal val="#ppt_x"/>
+                                          </p:val>
+                                        </p:tav>
+                                      </p:tavLst>
+                                    </p:anim>
+                                    <p:anim calcmode="lin" valueType="num">
+                                      <p:cBhvr additive="base">
+                                        <p:cTn id="16" dur="500" fill="hold"/>
+                                        <p:tgtEl>
+                                          <p:spTgt spid="53"/>
+                                        </p:tgtEl>
+                                        <p:attrNameLst>
+                                          <p:attrName>ppt_y</p:attrName>
+                                        </p:attrNameLst>
+                                      </p:cBhvr>
+                                      <p:tavLst>
+                                        <p:tav tm="0">
+                                          <p:val>
+                                            <p:strVal val="1+#ppt_h/2"/>
+                                          </p:val>
+                                        </p:tav>
+                                        <p:tav tm="100000">
+                                          <p:val>
+                                            <p:strVal val="#ppt_y"/>
+                                          </p:val>
+                                        </p:tav>
+                                      </p:tavLst>
+                                    </p:anim>
+                                  </p:childTnLst>
+                                </p:cTn>
+                              </p:par>
+                            </p:childTnLst>
+                          </p:cTn>
+                        </p:par>
+                      </p:childTnLst>
+                    </p:cTn>
+                  </p:par>
+                  <p:par>
+                    <p:cTn id="17" fill="hold">
+                      <p:stCondLst>
+                        <p:cond delay="indefinite"/>
+                      </p:stCondLst>
+                      <p:childTnLst>
+                        <p:par>
+                          <p:cTn id="18" fill="hold">
+                            <p:stCondLst>
+                              <p:cond delay="0"/>
+                            </p:stCondLst>
+                            <p:childTnLst>
+                              <p:par>
+                                <p:cTn id="19" presetID="2" presetClass="entr" presetSubtype="4" fill="hold" grpId="0" nodeType="clickEffect">
+                                  <p:stCondLst>
+                                    <p:cond delay="0"/>
+                                  </p:stCondLst>
+                                  <p:childTnLst>
+                                    <p:set>
+                                      <p:cBhvr>
+                                        <p:cTn id="20" dur="1" fill="hold">
+                                          <p:stCondLst>
+                                            <p:cond delay="0"/>
+                                          </p:stCondLst>
+                                        </p:cTn>
+                                        <p:tgtEl>
+                                          <p:spTgt spid="63"/>
+                                        </p:tgtEl>
+                                        <p:attrNameLst>
+                                          <p:attrName>style.visibility</p:attrName>
+                                        </p:attrNameLst>
+                                      </p:cBhvr>
+                                      <p:to>
+                                        <p:strVal val="visible"/>
+                                      </p:to>
+                                    </p:set>
+                                    <p:anim calcmode="lin" valueType="num">
+                                      <p:cBhvr additive="base">
+                                        <p:cTn id="21" dur="500" fill="hold"/>
+                                        <p:tgtEl>
+                                          <p:spTgt spid="63"/>
+                                        </p:tgtEl>
+                                        <p:attrNameLst>
+                                          <p:attrName>ppt_x</p:attrName>
+                                        </p:attrNameLst>
+                                      </p:cBhvr>
+                                      <p:tavLst>
+                                        <p:tav tm="0">
+                                          <p:val>
+                                            <p:strVal val="#ppt_x"/>
+                                          </p:val>
+                                        </p:tav>
+                                        <p:tav tm="100000">
+                                          <p:val>
+                                            <p:strVal val="#ppt_x"/>
+                                          </p:val>
+                                        </p:tav>
+                                      </p:tavLst>
+                                    </p:anim>
+                                    <p:anim calcmode="lin" valueType="num">
+                                      <p:cBhvr additive="base">
+                                        <p:cTn id="22" dur="500" fill="hold"/>
+                                        <p:tgtEl>
+                                          <p:spTgt spid="63"/>
+                                        </p:tgtEl>
+                                        <p:attrNameLst>
+                                          <p:attrName>ppt_y</p:attrName>
+                                        </p:attrNameLst>
+                                      </p:cBhvr>
+                                      <p:tavLst>
+                                        <p:tav tm="0">
+                                          <p:val>
+                                            <p:strVal val="1+#ppt_h/2"/>
+                                          </p:val>
+                                        </p:tav>
+                                        <p:tav tm="100000">
+                                          <p:val>
+                                            <p:strVal val="#ppt_y"/>
+                                          </p:val>
+                                        </p:tav>
+                                      </p:tavLst>
+                                    </p:anim>
+                                  </p:childTnLst>
+                                </p:cTn>
+                              </p:par>
+                            </p:childTnLst>
+                          </p:cTn>
+                        </p:par>
+                      </p:childTnLst>
+                    </p:cTn>
+                  </p:par>
+                  <p:par>
+                    <p:cTn id="23" fill="hold">
+                      <p:stCondLst>
+                        <p:cond delay="indefinite"/>
+                      </p:stCondLst>
+                      <p:childTnLst>
+                        <p:par>
+                          <p:cTn id="24" fill="hold">
+                            <p:stCondLst>
+                              <p:cond delay="0"/>
+                            </p:stCondLst>
+                            <p:childTnLst>
+                              <p:par>
+                                <p:cTn id="25" presetID="2" presetClass="entr" presetSubtype="4" fill="hold" grpId="0" nodeType="clickEffect">
+                                  <p:stCondLst>
+                                    <p:cond delay="0"/>
+                                  </p:stCondLst>
+                                  <p:childTnLst>
+                                    <p:set>
+                                      <p:cBhvr>
+                                        <p:cTn id="26" dur="1" fill="hold">
+                                          <p:stCondLst>
+                                            <p:cond delay="0"/>
+                                          </p:stCondLst>
+                                        </p:cTn>
+                                        <p:tgtEl>
+                                          <p:spTgt spid="60"/>
+                                        </p:tgtEl>
+                                        <p:attrNameLst>
+                                          <p:attrName>style.visibility</p:attrName>
+                                        </p:attrNameLst>
+                                      </p:cBhvr>
+                                      <p:to>
+                                        <p:strVal val="visible"/>
+                                      </p:to>
+                                    </p:set>
+                                    <p:anim calcmode="lin" valueType="num">
+                                      <p:cBhvr additive="base">
+                                        <p:cTn id="27" dur="500" fill="hold"/>
+                                        <p:tgtEl>
+                                          <p:spTgt spid="60"/>
+                                        </p:tgtEl>
+                                        <p:attrNameLst>
+                                          <p:attrName>ppt_x</p:attrName>
+                                        </p:attrNameLst>
+                                      </p:cBhvr>
+                                      <p:tavLst>
+                                        <p:tav tm="0">
+                                          <p:val>
+                                            <p:strVal val="#ppt_x"/>
+                                          </p:val>
+                                        </p:tav>
+                                        <p:tav tm="100000">
+                                          <p:val>
+                                            <p:strVal val="#ppt_x"/>
+                                          </p:val>
+                                        </p:tav>
+                                      </p:tavLst>
+                                    </p:anim>
+                                    <p:anim calcmode="lin" valueType="num">
+                                      <p:cBhvr additive="base">
+                                        <p:cTn id="28" dur="500" fill="hold"/>
+                                        <p:tgtEl>
+                                          <p:spTgt spid="60"/>
+                                        </p:tgtEl>
+                                        <p:attrNameLst>
+                                          <p:attrName>ppt_y</p:attrName>
+                                        </p:attrNameLst>
+                                      </p:cBhvr>
+                                      <p:tavLst>
+                                        <p:tav tm="0">
+                                          <p:val>
+                                            <p:strVal val="1+#ppt_h/2"/>
+                                          </p:val>
+                                        </p:tav>
+                                        <p:tav tm="100000">
+                                          <p:val>
+                                            <p:strVal val="#ppt_y"/>
+                                          </p:val>
+                                        </p:tav>
+                                      </p:tavLst>
+                                    </p:anim>
+                                  </p:childTnLst>
+                                </p:cTn>
+                              </p:par>
+                            </p:childTnLst>
+                          </p:cTn>
+                        </p:par>
+                      </p:childTnLst>
+                    </p:cTn>
+                  </p:par>
+                </p:childTnLst>
+              </p:cTn>
+              <p:prevCondLst>
+                <p:cond evt="onPrev" delay="0">
+                  <p:tgtEl>
+                    <p:sldTgt/>
+                  </p:tgtEl>
+                </p:cond>
+              </p:prevCondLst>
+              <p:nextCondLst>
+                <p:cond evt="onNext" delay="0">
+                  <p:tgtEl>
+                    <p:sldTgt/>
+                  </p:tgtEl>
+                </p:cond>
+              </p:nextCondLst>
+            </p:seq>
+          </p:childTnLst>
+        </p:cTn>
+      </p:par>
+    </p:tnLst>
+    <p:bldLst>
+      <p:bldP spid="27" grpId="0" animBg="1"/>
+      <p:bldP spid="38" grpId="0" animBg="1"/>
+      <p:bldP spid="53" grpId="0" animBg="1"/>
+      <p:bldP spid="60" grpId="0" animBg="1"/>
+      <p:bldP spid="63" grpId="0" animBg="1"/>
+    </p:bldLst>
+  </p:timing>
 </p:sld>
 </file>
 
@@ -4388,6 +4789,332 @@
     <p:extLst>
       <p:ext uri="{BB962C8B-B14F-4D97-AF65-F5344CB8AC3E}">
         <p14:creationId xmlns:p14="http://schemas.microsoft.com/office/powerpoint/2010/main" val="741109637"/>
+      </p:ext>
+    </p:extLst>
+  </p:cSld>
+  <p:clrMapOvr>
+    <a:masterClrMapping/>
+  </p:clrMapOvr>
+  <p:timing>
+    <p:tnLst>
+      <p:par>
+        <p:cTn id="1" dur="indefinite" restart="never" nodeType="tmRoot">
+          <p:childTnLst>
+            <p:seq concurrent="1" nextAc="seek">
+              <p:cTn id="2" dur="indefinite" nodeType="mainSeq">
+                <p:childTnLst>
+                  <p:par>
+                    <p:cTn id="3" fill="hold">
+                      <p:stCondLst>
+                        <p:cond delay="indefinite"/>
+                      </p:stCondLst>
+                      <p:childTnLst>
+                        <p:par>
+                          <p:cTn id="4" fill="hold">
+                            <p:stCondLst>
+                              <p:cond delay="0"/>
+                            </p:stCondLst>
+                            <p:childTnLst>
+                              <p:par>
+                                <p:cTn id="5" presetID="22" presetClass="entr" presetSubtype="4" fill="hold" grpId="0" nodeType="clickEffect">
+                                  <p:stCondLst>
+                                    <p:cond delay="0"/>
+                                  </p:stCondLst>
+                                  <p:childTnLst>
+                                    <p:set>
+                                      <p:cBhvr>
+                                        <p:cTn id="6" dur="1" fill="hold">
+                                          <p:stCondLst>
+                                            <p:cond delay="0"/>
+                                          </p:stCondLst>
+                                        </p:cTn>
+                                        <p:tgtEl>
+                                          <p:spTgt spid="4"/>
+                                        </p:tgtEl>
+                                        <p:attrNameLst>
+                                          <p:attrName>style.visibility</p:attrName>
+                                        </p:attrNameLst>
+                                      </p:cBhvr>
+                                      <p:to>
+                                        <p:strVal val="visible"/>
+                                      </p:to>
+                                    </p:set>
+                                    <p:animEffect transition="in" filter="wipe(down)">
+                                      <p:cBhvr>
+                                        <p:cTn id="7" dur="500"/>
+                                        <p:tgtEl>
+                                          <p:spTgt spid="4"/>
+                                        </p:tgtEl>
+                                      </p:cBhvr>
+                                    </p:animEffect>
+                                  </p:childTnLst>
+                                </p:cTn>
+                              </p:par>
+                            </p:childTnLst>
+                          </p:cTn>
+                        </p:par>
+                      </p:childTnLst>
+                    </p:cTn>
+                  </p:par>
+                  <p:par>
+                    <p:cTn id="8" fill="hold">
+                      <p:stCondLst>
+                        <p:cond delay="indefinite"/>
+                      </p:stCondLst>
+                      <p:childTnLst>
+                        <p:par>
+                          <p:cTn id="9" fill="hold">
+                            <p:stCondLst>
+                              <p:cond delay="0"/>
+                            </p:stCondLst>
+                            <p:childTnLst>
+                              <p:par>
+                                <p:cTn id="10" presetID="16" presetClass="entr" presetSubtype="21" fill="hold" grpId="0" nodeType="clickEffect">
+                                  <p:stCondLst>
+                                    <p:cond delay="0"/>
+                                  </p:stCondLst>
+                                  <p:childTnLst>
+                                    <p:set>
+                                      <p:cBhvr>
+                                        <p:cTn id="11" dur="1" fill="hold">
+                                          <p:stCondLst>
+                                            <p:cond delay="0"/>
+                                          </p:stCondLst>
+                                        </p:cTn>
+                                        <p:tgtEl>
+                                          <p:spTgt spid="8"/>
+                                        </p:tgtEl>
+                                        <p:attrNameLst>
+                                          <p:attrName>style.visibility</p:attrName>
+                                        </p:attrNameLst>
+                                      </p:cBhvr>
+                                      <p:to>
+                                        <p:strVal val="visible"/>
+                                      </p:to>
+                                    </p:set>
+                                    <p:animEffect transition="in" filter="barn(inVertical)">
+                                      <p:cBhvr>
+                                        <p:cTn id="12" dur="500"/>
+                                        <p:tgtEl>
+                                          <p:spTgt spid="8"/>
+                                        </p:tgtEl>
+                                      </p:cBhvr>
+                                    </p:animEffect>
+                                  </p:childTnLst>
+                                </p:cTn>
+                              </p:par>
+                            </p:childTnLst>
+                          </p:cTn>
+                        </p:par>
+                      </p:childTnLst>
+                    </p:cTn>
+                  </p:par>
+                </p:childTnLst>
+              </p:cTn>
+              <p:prevCondLst>
+                <p:cond evt="onPrev" delay="0">
+                  <p:tgtEl>
+                    <p:sldTgt/>
+                  </p:tgtEl>
+                </p:cond>
+              </p:prevCondLst>
+              <p:nextCondLst>
+                <p:cond evt="onNext" delay="0">
+                  <p:tgtEl>
+                    <p:sldTgt/>
+                  </p:tgtEl>
+                </p:cond>
+              </p:nextCondLst>
+            </p:seq>
+          </p:childTnLst>
+        </p:cTn>
+      </p:par>
+    </p:tnLst>
+    <p:bldLst>
+      <p:bldP spid="4" grpId="0"/>
+      <p:bldP spid="8" grpId="0"/>
+    </p:bldLst>
+  </p:timing>
+</p:sld>
+</file>
+
+<file path=ppt/slides/slide4.xml><?xml version="1.0" encoding="utf-8"?>
+<p:sld xmlns:a="http://schemas.openxmlformats.org/drawingml/2006/main" xmlns:r="http://schemas.openxmlformats.org/officeDocument/2006/relationships" xmlns:p="http://schemas.openxmlformats.org/presentationml/2006/main">
+  <p:cSld>
+    <p:spTree>
+      <p:nvGrpSpPr>
+        <p:cNvPr id="1" name=""/>
+        <p:cNvGrpSpPr/>
+        <p:nvPr/>
+      </p:nvGrpSpPr>
+      <p:grpSpPr>
+        <a:xfrm>
+          <a:off x="0" y="0"/>
+          <a:ext cx="0" cy="0"/>
+          <a:chOff x="0" y="0"/>
+          <a:chExt cx="0" cy="0"/>
+        </a:xfrm>
+      </p:grpSpPr>
+      <p:sp>
+        <p:nvSpPr>
+          <p:cNvPr id="2" name="Title 1"/>
+          <p:cNvSpPr>
+            <a:spLocks noGrp="1"/>
+          </p:cNvSpPr>
+          <p:nvPr>
+            <p:ph type="title"/>
+          </p:nvPr>
+        </p:nvSpPr>
+        <p:spPr>
+          <a:xfrm>
+            <a:off x="3881887" y="0"/>
+            <a:ext cx="3821502" cy="6858000"/>
+          </a:xfrm>
+          <a:solidFill>
+            <a:schemeClr val="bg1"/>
+          </a:solidFill>
+        </p:spPr>
+        <p:txBody>
+          <a:bodyPr/>
+          <a:lstStyle/>
+          <a:p>
+            <a:r>
+              <a:rPr lang="en-GB" dirty="0" smtClean="0"/>
+              <a:t> </a:t>
+            </a:r>
+            <a:endParaRPr lang="en-GB" dirty="0"/>
+          </a:p>
+        </p:txBody>
+      </p:sp>
+      <p:sp>
+        <p:nvSpPr>
+          <p:cNvPr id="3" name="Content Placeholder 2"/>
+          <p:cNvSpPr>
+            <a:spLocks noGrp="1"/>
+          </p:cNvSpPr>
+          <p:nvPr>
+            <p:ph idx="1"/>
+          </p:nvPr>
+        </p:nvSpPr>
+        <p:spPr>
+          <a:xfrm>
+            <a:off x="1" y="1"/>
+            <a:ext cx="3881886" cy="6858000"/>
+          </a:xfrm>
+          <a:solidFill>
+            <a:srgbClr val="00B050"/>
+          </a:solidFill>
+        </p:spPr>
+        <p:txBody>
+          <a:bodyPr/>
+          <a:lstStyle/>
+          <a:p>
+            <a:pPr marL="0" indent="0">
+              <a:buNone/>
+            </a:pPr>
+            <a:r>
+              <a:rPr lang="en-GB" dirty="0" smtClean="0"/>
+              <a:t>  </a:t>
+            </a:r>
+            <a:endParaRPr lang="en-GB" dirty="0"/>
+          </a:p>
+        </p:txBody>
+      </p:sp>
+      <p:sp>
+        <p:nvSpPr>
+          <p:cNvPr id="4" name="TextBox 3"/>
+          <p:cNvSpPr txBox="1"/>
+          <p:nvPr/>
+        </p:nvSpPr>
+        <p:spPr>
+          <a:xfrm>
+            <a:off x="7703389" y="0"/>
+            <a:ext cx="4488611" cy="6858000"/>
+          </a:xfrm>
+          <a:prstGeom prst="rect">
+            <a:avLst/>
+          </a:prstGeom>
+          <a:solidFill>
+            <a:srgbClr val="00B050"/>
+          </a:solidFill>
+        </p:spPr>
+        <p:txBody>
+          <a:bodyPr wrap="square" rtlCol="0">
+            <a:spAutoFit/>
+          </a:bodyPr>
+          <a:lstStyle/>
+          <a:p>
+            <a:endParaRPr lang="en-GB" dirty="0"/>
+          </a:p>
+        </p:txBody>
+      </p:sp>
+      <p:sp>
+        <p:nvSpPr>
+          <p:cNvPr id="5" name="TextBox 4"/>
+          <p:cNvSpPr txBox="1"/>
+          <p:nvPr/>
+        </p:nvSpPr>
+        <p:spPr>
+          <a:xfrm>
+            <a:off x="4321835" y="2424023"/>
+            <a:ext cx="3079630" cy="584775"/>
+          </a:xfrm>
+          <a:prstGeom prst="rect">
+            <a:avLst/>
+          </a:prstGeom>
+          <a:noFill/>
+        </p:spPr>
+        <p:txBody>
+          <a:bodyPr wrap="square" rtlCol="0">
+            <a:spAutoFit/>
+          </a:bodyPr>
+          <a:lstStyle/>
+          <a:p>
+            <a:r>
+              <a:rPr lang="en-GB" sz="3200" dirty="0" smtClean="0"/>
+              <a:t>The Super Eagles</a:t>
+            </a:r>
+            <a:endParaRPr lang="en-GB" sz="3200" dirty="0"/>
+          </a:p>
+        </p:txBody>
+      </p:sp>
+      <p:sp>
+        <p:nvSpPr>
+          <p:cNvPr id="6" name="TextBox 5"/>
+          <p:cNvSpPr txBox="1"/>
+          <p:nvPr/>
+        </p:nvSpPr>
+        <p:spPr>
+          <a:xfrm>
+            <a:off x="3881887" y="2896655"/>
+            <a:ext cx="3821502" cy="646331"/>
+          </a:xfrm>
+          <a:prstGeom prst="rect">
+            <a:avLst/>
+          </a:prstGeom>
+          <a:noFill/>
+        </p:spPr>
+        <p:txBody>
+          <a:bodyPr wrap="square" rtlCol="0">
+            <a:spAutoFit/>
+          </a:bodyPr>
+          <a:lstStyle/>
+          <a:p>
+            <a:pPr algn="ctr"/>
+            <a:r>
+              <a:rPr lang="en-US" dirty="0">
+                <a:hlinkClick r:id="rId2"/>
+              </a:rPr>
+              <a:t>The Nigerian National Team ( The Super Eagles )</a:t>
+            </a:r>
+            <a:endParaRPr lang="en-GB" dirty="0"/>
+          </a:p>
+        </p:txBody>
+      </p:sp>
+    </p:spTree>
+    <p:extLst>
+      <p:ext uri="{BB962C8B-B14F-4D97-AF65-F5344CB8AC3E}">
+        <p14:creationId xmlns:p14="http://schemas.microsoft.com/office/powerpoint/2010/main" val="4047666399"/>
       </p:ext>
     </p:extLst>
   </p:cSld>
